--- a/Project/Hospital Appointment System.pptx
+++ b/Project/Hospital Appointment System.pptx
@@ -5,10 +5,10 @@
     <p:sldMasterId id="2147483648" r:id="rId1"/>
   </p:sldMasterIdLst>
   <p:notesMasterIdLst>
-    <p:notesMasterId r:id="rId14"/>
+    <p:notesMasterId r:id="rId15"/>
   </p:notesMasterIdLst>
   <p:handoutMasterIdLst>
-    <p:handoutMasterId r:id="rId15"/>
+    <p:handoutMasterId r:id="rId16"/>
   </p:handoutMasterIdLst>
   <p:sldIdLst>
     <p:sldId id="256" r:id="rId2"/>
@@ -22,7 +22,8 @@
     <p:sldId id="271" r:id="rId10"/>
     <p:sldId id="272" r:id="rId11"/>
     <p:sldId id="273" r:id="rId12"/>
-    <p:sldId id="261" r:id="rId13"/>
+    <p:sldId id="274" r:id="rId13"/>
+    <p:sldId id="261" r:id="rId14"/>
   </p:sldIdLst>
   <p:sldSz cx="12192000" cy="6858000"/>
   <p:notesSz cx="6858000" cy="9144000"/>
@@ -4589,6 +4590,243 @@
       </p:grpSpPr>
       <p:sp>
         <p:nvSpPr>
+          <p:cNvPr id="2" name="Title 1">
+            <a:extLst>
+              <a:ext uri="{FF2B5EF4-FFF2-40B4-BE49-F238E27FC236}">
+                <a16:creationId xmlns:a16="http://schemas.microsoft.com/office/drawing/2014/main" id="{E5EEDD19-BE04-615B-85D5-C732B63D3C93}"/>
+              </a:ext>
+            </a:extLst>
+          </p:cNvPr>
+          <p:cNvSpPr>
+            <a:spLocks noGrp="1"/>
+          </p:cNvSpPr>
+          <p:nvPr>
+            <p:ph type="title"/>
+          </p:nvPr>
+        </p:nvSpPr>
+        <p:spPr/>
+        <p:txBody>
+          <a:bodyPr/>
+          <a:lstStyle/>
+          <a:p>
+            <a:r>
+              <a:rPr lang="en-SG" dirty="0"/>
+              <a:t>Conclusion with STC Knowledge</a:t>
+            </a:r>
+          </a:p>
+        </p:txBody>
+      </p:sp>
+      <p:sp>
+        <p:nvSpPr>
+          <p:cNvPr id="5" name="TextBox 4">
+            <a:extLst>
+              <a:ext uri="{FF2B5EF4-FFF2-40B4-BE49-F238E27FC236}">
+                <a16:creationId xmlns:a16="http://schemas.microsoft.com/office/drawing/2014/main" id="{5699BBB7-9D13-1425-848E-5D1CB65B14A2}"/>
+              </a:ext>
+            </a:extLst>
+          </p:cNvPr>
+          <p:cNvSpPr txBox="1"/>
+          <p:nvPr/>
+        </p:nvSpPr>
+        <p:spPr>
+          <a:xfrm>
+            <a:off x="1066800" y="1676400"/>
+            <a:ext cx="4724400" cy="400110"/>
+          </a:xfrm>
+          <a:prstGeom prst="rect">
+            <a:avLst/>
+          </a:prstGeom>
+          <a:noFill/>
+        </p:spPr>
+        <p:txBody>
+          <a:bodyPr wrap="square" rtlCol="0">
+            <a:spAutoFit/>
+          </a:bodyPr>
+          <a:lstStyle/>
+          <a:p>
+            <a:r>
+              <a:rPr lang="en-SG" sz="2000" cap="all" dirty="0">
+                <a:solidFill>
+                  <a:schemeClr val="tx1">
+                    <a:lumMod val="50000"/>
+                    <a:lumOff val="50000"/>
+                  </a:schemeClr>
+                </a:solidFill>
+              </a:rPr>
+              <a:t>java stream</a:t>
+            </a:r>
+          </a:p>
+        </p:txBody>
+      </p:sp>
+      <p:sp>
+        <p:nvSpPr>
+          <p:cNvPr id="7" name="TextBox 6">
+            <a:extLst>
+              <a:ext uri="{FF2B5EF4-FFF2-40B4-BE49-F238E27FC236}">
+                <a16:creationId xmlns:a16="http://schemas.microsoft.com/office/drawing/2014/main" id="{D7CCD784-B3A5-4051-D679-A09E5053EDA2}"/>
+              </a:ext>
+            </a:extLst>
+          </p:cNvPr>
+          <p:cNvSpPr txBox="1"/>
+          <p:nvPr/>
+        </p:nvSpPr>
+        <p:spPr>
+          <a:xfrm>
+            <a:off x="1066800" y="2076510"/>
+            <a:ext cx="10515600" cy="1200329"/>
+          </a:xfrm>
+          <a:prstGeom prst="rect">
+            <a:avLst/>
+          </a:prstGeom>
+          <a:noFill/>
+        </p:spPr>
+        <p:txBody>
+          <a:bodyPr wrap="square">
+            <a:spAutoFit/>
+          </a:bodyPr>
+          <a:lstStyle/>
+          <a:p>
+            <a:r>
+              <a:rPr lang="en-US" dirty="0"/>
+              <a:t>In Java Streams, functional programming enables easy and efficient data processing, just as pure consciousness holds nature’s laws, guiding effortless flow in the universe. Similarly, Java Streams offer a structured, rule-based way to transform and retrieve data, achieving optimized results through clear, simple syntax.</a:t>
+            </a:r>
+            <a:endParaRPr lang="en-SG" dirty="0"/>
+          </a:p>
+        </p:txBody>
+      </p:sp>
+      <p:sp>
+        <p:nvSpPr>
+          <p:cNvPr id="9" name="TextBox 8">
+            <a:extLst>
+              <a:ext uri="{FF2B5EF4-FFF2-40B4-BE49-F238E27FC236}">
+                <a16:creationId xmlns:a16="http://schemas.microsoft.com/office/drawing/2014/main" id="{85392F1D-F8B6-B3D9-0DBD-8C1AF84CFCEA}"/>
+              </a:ext>
+            </a:extLst>
+          </p:cNvPr>
+          <p:cNvSpPr txBox="1"/>
+          <p:nvPr/>
+        </p:nvSpPr>
+        <p:spPr>
+          <a:xfrm>
+            <a:off x="1143000" y="3928566"/>
+            <a:ext cx="9982200" cy="646331"/>
+          </a:xfrm>
+          <a:prstGeom prst="rect">
+            <a:avLst/>
+          </a:prstGeom>
+          <a:noFill/>
+        </p:spPr>
+        <p:txBody>
+          <a:bodyPr wrap="square">
+            <a:spAutoFit/>
+          </a:bodyPr>
+          <a:lstStyle/>
+          <a:p>
+            <a:r>
+              <a:rPr lang="en-US" dirty="0"/>
+              <a:t>Functional interfaces simplify coding by using single methods for clear and efficient code.</a:t>
+            </a:r>
+            <a:br>
+              <a:rPr lang="en-US" dirty="0"/>
+            </a:br>
+            <a:r>
+              <a:rPr lang="en-US" dirty="0"/>
+              <a:t>Pure consciousness  show how simplicity and clarity are valuable and </a:t>
+            </a:r>
+            <a:r>
+              <a:rPr lang="en-US"/>
+              <a:t>understanding our mind.</a:t>
+            </a:r>
+            <a:endParaRPr lang="en-SG" dirty="0"/>
+          </a:p>
+        </p:txBody>
+      </p:sp>
+      <p:sp>
+        <p:nvSpPr>
+          <p:cNvPr id="10" name="TextBox 9">
+            <a:extLst>
+              <a:ext uri="{FF2B5EF4-FFF2-40B4-BE49-F238E27FC236}">
+                <a16:creationId xmlns:a16="http://schemas.microsoft.com/office/drawing/2014/main" id="{7BF39FC0-3FDF-8C28-6D08-60A15DA85B33}"/>
+              </a:ext>
+            </a:extLst>
+          </p:cNvPr>
+          <p:cNvSpPr txBox="1"/>
+          <p:nvPr/>
+        </p:nvSpPr>
+        <p:spPr>
+          <a:xfrm>
+            <a:off x="1125794" y="3545108"/>
+            <a:ext cx="4724400" cy="400110"/>
+          </a:xfrm>
+          <a:prstGeom prst="rect">
+            <a:avLst/>
+          </a:prstGeom>
+          <a:noFill/>
+        </p:spPr>
+        <p:txBody>
+          <a:bodyPr wrap="square" rtlCol="0">
+            <a:spAutoFit/>
+          </a:bodyPr>
+          <a:lstStyle/>
+          <a:p>
+            <a:r>
+              <a:rPr lang="en-SG" sz="2000" cap="all" dirty="0">
+                <a:solidFill>
+                  <a:schemeClr val="tx1">
+                    <a:lumMod val="50000"/>
+                    <a:lumOff val="50000"/>
+                  </a:schemeClr>
+                </a:solidFill>
+              </a:rPr>
+              <a:t>Functional interface</a:t>
+            </a:r>
+          </a:p>
+        </p:txBody>
+      </p:sp>
+    </p:spTree>
+    <p:extLst>
+      <p:ext uri="{BB962C8B-B14F-4D97-AF65-F5344CB8AC3E}">
+        <p14:creationId xmlns:p14="http://schemas.microsoft.com/office/powerpoint/2010/main" val="3102059921"/>
+      </p:ext>
+    </p:extLst>
+  </p:cSld>
+  <p:clrMapOvr>
+    <a:masterClrMapping/>
+  </p:clrMapOvr>
+  <mc:AlternateContent xmlns:mc="http://schemas.openxmlformats.org/markup-compatibility/2006" xmlns:p14="http://schemas.microsoft.com/office/powerpoint/2010/main">
+    <mc:Choice Requires="p14">
+      <p:transition spd="med" p14:dur="700">
+        <p:fade/>
+      </p:transition>
+    </mc:Choice>
+    <mc:Fallback xmlns="">
+      <p:transition spd="med">
+        <p:fade/>
+      </p:transition>
+    </mc:Fallback>
+  </mc:AlternateContent>
+</p:sld>
+</file>
+
+<file path=ppt/slides/slide13.xml><?xml version="1.0" encoding="utf-8"?>
+<p:sld xmlns:a="http://schemas.openxmlformats.org/drawingml/2006/main" xmlns:r="http://schemas.openxmlformats.org/officeDocument/2006/relationships" xmlns:p="http://schemas.openxmlformats.org/presentationml/2006/main">
+  <p:cSld>
+    <p:spTree>
+      <p:nvGrpSpPr>
+        <p:cNvPr id="1" name=""/>
+        <p:cNvGrpSpPr/>
+        <p:nvPr/>
+      </p:nvGrpSpPr>
+      <p:grpSpPr>
+        <a:xfrm>
+          <a:off x="0" y="0"/>
+          <a:ext cx="0" cy="0"/>
+          <a:chOff x="0" y="0"/>
+          <a:chExt cx="0" cy="0"/>
+        </a:xfrm>
+      </p:grpSpPr>
+      <p:sp>
+        <p:nvSpPr>
           <p:cNvPr id="2" name="Title 1"/>
           <p:cNvSpPr>
             <a:spLocks noGrp="1"/>
@@ -4988,13 +5226,13 @@
   <p:clrMapOvr>
     <a:masterClrMapping/>
   </p:clrMapOvr>
-  <mc:AlternateContent xmlns:mc="http://schemas.openxmlformats.org/markup-compatibility/2006">
-    <mc:Choice xmlns:p14="http://schemas.microsoft.com/office/powerpoint/2010/main" Requires="p14">
+  <mc:AlternateContent xmlns:mc="http://schemas.openxmlformats.org/markup-compatibility/2006" xmlns:p14="http://schemas.microsoft.com/office/powerpoint/2010/main">
+    <mc:Choice Requires="p14">
       <p:transition spd="med" p14:dur="700">
         <p:fade/>
       </p:transition>
     </mc:Choice>
-    <mc:Fallback>
+    <mc:Fallback xmlns="">
       <p:transition spd="med">
         <p:fade/>
       </p:transition>

--- a/Project/Hospital Appointment System.pptx
+++ b/Project/Hospital Appointment System.pptx
@@ -5,10 +5,10 @@
     <p:sldMasterId id="2147483648" r:id="rId1"/>
   </p:sldMasterIdLst>
   <p:notesMasterIdLst>
-    <p:notesMasterId r:id="rId15"/>
+    <p:notesMasterId r:id="rId16"/>
   </p:notesMasterIdLst>
   <p:handoutMasterIdLst>
-    <p:handoutMasterId r:id="rId16"/>
+    <p:handoutMasterId r:id="rId17"/>
   </p:handoutMasterIdLst>
   <p:sldIdLst>
     <p:sldId id="256" r:id="rId2"/>
@@ -22,8 +22,9 @@
     <p:sldId id="271" r:id="rId10"/>
     <p:sldId id="272" r:id="rId11"/>
     <p:sldId id="273" r:id="rId12"/>
-    <p:sldId id="274" r:id="rId13"/>
-    <p:sldId id="261" r:id="rId14"/>
+    <p:sldId id="275" r:id="rId13"/>
+    <p:sldId id="274" r:id="rId14"/>
+    <p:sldId id="261" r:id="rId15"/>
   </p:sldIdLst>
   <p:sldSz cx="12192000" cy="6858000"/>
   <p:notesSz cx="6858000" cy="9144000"/>
@@ -226,7 +227,7 @@
           <a:p>
             <a:fld id="{043B725B-653D-4166-A8E9-72A38A1847CF}" type="datetimeFigureOut">
               <a:rPr lang="en-US"/>
-              <a:t>10/23/2024</a:t>
+              <a:t>10/23/24</a:t>
             </a:fld>
             <a:endParaRPr/>
           </a:p>
@@ -391,7 +392,7 @@
           <a:p>
             <a:fld id="{783F64CD-0576-4A9A-BD06-7889D6E60BDC}" type="datetimeFigureOut">
               <a:rPr lang="en-US"/>
-              <a:t>10/23/2024</a:t>
+              <a:t>10/23/24</a:t>
             </a:fld>
             <a:endParaRPr/>
           </a:p>
@@ -989,7 +990,7 @@
           <a:p>
             <a:fld id="{37CC0096-1860-4642-9CD2-0079EA5E7CD1}" type="datetimeFigureOut">
               <a:rPr lang="en-US"/>
-              <a:t>10/23/2024</a:t>
+              <a:t>10/23/24</a:t>
             </a:fld>
             <a:endParaRPr/>
           </a:p>
@@ -1238,7 +1239,7 @@
           <a:p>
             <a:fld id="{37CC0096-1860-4642-9CD2-0079EA5E7CD1}" type="datetimeFigureOut">
               <a:rPr lang="en-US"/>
-              <a:t>10/23/2024</a:t>
+              <a:t>10/23/24</a:t>
             </a:fld>
             <a:endParaRPr/>
           </a:p>
@@ -1424,7 +1425,7 @@
           <a:p>
             <a:fld id="{37CC0096-1860-4642-9CD2-0079EA5E7CD1}" type="datetimeFigureOut">
               <a:rPr lang="en-US"/>
-              <a:t>10/23/2024</a:t>
+              <a:t>10/23/24</a:t>
             </a:fld>
             <a:endParaRPr/>
           </a:p>
@@ -1955,7 +1956,7 @@
           <a:p>
             <a:fld id="{37CC0096-1860-4642-9CD2-0079EA5E7CD1}" type="datetimeFigureOut">
               <a:rPr lang="en-US"/>
-              <a:t>10/23/2024</a:t>
+              <a:t>10/23/24</a:t>
             </a:fld>
             <a:endParaRPr/>
           </a:p>
@@ -2407,7 +2408,7 @@
           <a:p>
             <a:fld id="{37CC0096-1860-4642-9CD2-0079EA5E7CD1}" type="datetimeFigureOut">
               <a:rPr lang="en-US"/>
-              <a:t>10/23/2024</a:t>
+              <a:t>10/23/24</a:t>
             </a:fld>
             <a:endParaRPr/>
           </a:p>
@@ -2537,7 +2538,7 @@
           <a:p>
             <a:fld id="{37CC0096-1860-4642-9CD2-0079EA5E7CD1}" type="datetimeFigureOut">
               <a:rPr lang="en-US"/>
-              <a:t>10/23/2024</a:t>
+              <a:t>10/23/24</a:t>
             </a:fld>
             <a:endParaRPr/>
           </a:p>
@@ -2644,7 +2645,7 @@
           <a:p>
             <a:fld id="{37CC0096-1860-4642-9CD2-0079EA5E7CD1}" type="datetimeFigureOut">
               <a:rPr lang="en-US"/>
-              <a:t>10/23/2024</a:t>
+              <a:t>10/23/24</a:t>
             </a:fld>
             <a:endParaRPr/>
           </a:p>
@@ -3633,7 +3634,7 @@
             <a:fld id="{37CC0096-1860-4642-9CD2-0079EA5E7CD1}" type="datetimeFigureOut">
               <a:rPr lang="en-US" smtClean="0"/>
               <a:pPr/>
-              <a:t>10/23/2024</a:t>
+              <a:t>10/23/24</a:t>
             </a:fld>
             <a:endParaRPr lang="en-US" dirty="0"/>
           </a:p>
@@ -4590,6 +4591,160 @@
       </p:grpSpPr>
       <p:sp>
         <p:nvSpPr>
+          <p:cNvPr id="2" name="Title 1"/>
+          <p:cNvSpPr>
+            <a:spLocks noGrp="1"/>
+          </p:cNvSpPr>
+          <p:nvPr>
+            <p:ph type="title"/>
+          </p:nvPr>
+        </p:nvSpPr>
+        <p:spPr/>
+        <p:txBody>
+          <a:bodyPr/>
+          <a:lstStyle/>
+          <a:p>
+            <a:r>
+              <a:rPr lang="en-US" dirty="0"/>
+              <a:t>Validation For Database</a:t>
+            </a:r>
+          </a:p>
+        </p:txBody>
+      </p:sp>
+      <p:sp>
+        <p:nvSpPr>
+          <p:cNvPr id="6" name="TextBox 5">
+            <a:extLst>
+              <a:ext uri="{FF2B5EF4-FFF2-40B4-BE49-F238E27FC236}">
+                <a16:creationId xmlns:a16="http://schemas.microsoft.com/office/drawing/2014/main" id="{25E3F009-B98D-5670-F796-1326325004C0}"/>
+              </a:ext>
+            </a:extLst>
+          </p:cNvPr>
+          <p:cNvSpPr txBox="1"/>
+          <p:nvPr/>
+        </p:nvSpPr>
+        <p:spPr>
+          <a:xfrm>
+            <a:off x="8458200" y="2362200"/>
+            <a:ext cx="3581400" cy="2585323"/>
+          </a:xfrm>
+          <a:prstGeom prst="rect">
+            <a:avLst/>
+          </a:prstGeom>
+          <a:noFill/>
+        </p:spPr>
+        <p:txBody>
+          <a:bodyPr wrap="square" rtlCol="0">
+            <a:spAutoFit/>
+          </a:bodyPr>
+          <a:lstStyle/>
+          <a:p>
+            <a:r>
+              <a:rPr lang="en-US" b="1" u="sng" dirty="0"/>
+              <a:t>Validation for data integrity</a:t>
+            </a:r>
+            <a:br>
+              <a:rPr lang="en-US" dirty="0"/>
+            </a:br>
+            <a:endParaRPr lang="en-US" dirty="0"/>
+          </a:p>
+          <a:p>
+            <a:r>
+              <a:rPr lang="en-US" dirty="0"/>
+              <a:t>We used database constraints for the data integrity</a:t>
+            </a:r>
+          </a:p>
+          <a:p>
+            <a:br>
+              <a:rPr lang="en-US" dirty="0"/>
+            </a:br>
+            <a:r>
+              <a:rPr lang="en-US" dirty="0"/>
+              <a:t>1. Primary KEY: To check no unique ids can be same.</a:t>
+            </a:r>
+          </a:p>
+          <a:p>
+            <a:r>
+              <a:rPr lang="en-US" dirty="0"/>
+              <a:t>2. NOT NULL: some fields should not be nullable</a:t>
+            </a:r>
+          </a:p>
+        </p:txBody>
+      </p:sp>
+      <p:pic>
+        <p:nvPicPr>
+          <p:cNvPr id="3" name="Picture 2">
+            <a:extLst>
+              <a:ext uri="{FF2B5EF4-FFF2-40B4-BE49-F238E27FC236}">
+                <a16:creationId xmlns:a16="http://schemas.microsoft.com/office/drawing/2014/main" id="{0C2548C2-7913-6254-9601-74352B583155}"/>
+              </a:ext>
+            </a:extLst>
+          </p:cNvPr>
+          <p:cNvPicPr>
+            <a:picLocks noChangeAspect="1"/>
+          </p:cNvPicPr>
+          <p:nvPr/>
+        </p:nvPicPr>
+        <p:blipFill>
+          <a:blip r:embed="rId2"/>
+          <a:stretch>
+            <a:fillRect/>
+          </a:stretch>
+        </p:blipFill>
+        <p:spPr>
+          <a:xfrm>
+            <a:off x="228600" y="2057400"/>
+            <a:ext cx="7772400" cy="4257082"/>
+          </a:xfrm>
+          <a:prstGeom prst="rect">
+            <a:avLst/>
+          </a:prstGeom>
+        </p:spPr>
+      </p:pic>
+    </p:spTree>
+    <p:extLst>
+      <p:ext uri="{BB962C8B-B14F-4D97-AF65-F5344CB8AC3E}">
+        <p14:creationId xmlns:p14="http://schemas.microsoft.com/office/powerpoint/2010/main" val="652756380"/>
+      </p:ext>
+    </p:extLst>
+  </p:cSld>
+  <p:clrMapOvr>
+    <a:masterClrMapping/>
+  </p:clrMapOvr>
+  <mc:AlternateContent xmlns:mc="http://schemas.openxmlformats.org/markup-compatibility/2006" xmlns:p14="http://schemas.microsoft.com/office/powerpoint/2010/main">
+    <mc:Choice Requires="p14">
+      <p:transition spd="med" p14:dur="700">
+        <p:fade/>
+      </p:transition>
+    </mc:Choice>
+    <mc:Fallback xmlns="">
+      <p:transition spd="med">
+        <p:fade/>
+      </p:transition>
+    </mc:Fallback>
+  </mc:AlternateContent>
+</p:sld>
+</file>
+
+<file path=ppt/slides/slide13.xml><?xml version="1.0" encoding="utf-8"?>
+<p:sld xmlns:a="http://schemas.openxmlformats.org/drawingml/2006/main" xmlns:r="http://schemas.openxmlformats.org/officeDocument/2006/relationships" xmlns:p="http://schemas.openxmlformats.org/presentationml/2006/main">
+  <p:cSld>
+    <p:spTree>
+      <p:nvGrpSpPr>
+        <p:cNvPr id="1" name=""/>
+        <p:cNvGrpSpPr/>
+        <p:nvPr/>
+      </p:nvGrpSpPr>
+      <p:grpSpPr>
+        <a:xfrm>
+          <a:off x="0" y="0"/>
+          <a:ext cx="0" cy="0"/>
+          <a:chOff x="0" y="0"/>
+          <a:chExt cx="0" cy="0"/>
+        </a:xfrm>
+      </p:grpSpPr>
+      <p:sp>
+        <p:nvSpPr>
           <p:cNvPr id="2" name="Title 1">
             <a:extLst>
               <a:ext uri="{FF2B5EF4-FFF2-40B4-BE49-F238E27FC236}">
@@ -4808,7 +4963,7 @@
 </p:sld>
 </file>
 
-<file path=ppt/slides/slide13.xml><?xml version="1.0" encoding="utf-8"?>
+<file path=ppt/slides/slide14.xml><?xml version="1.0" encoding="utf-8"?>
 <p:sld xmlns:a="http://schemas.openxmlformats.org/drawingml/2006/main" xmlns:r="http://schemas.openxmlformats.org/officeDocument/2006/relationships" xmlns:p="http://schemas.openxmlformats.org/presentationml/2006/main">
   <p:cSld>
     <p:spTree>

--- a/Project/Hospital Appointment System.pptx
+++ b/Project/Hospital Appointment System.pptx
@@ -5,10 +5,10 @@
     <p:sldMasterId id="2147483648" r:id="rId1"/>
   </p:sldMasterIdLst>
   <p:notesMasterIdLst>
-    <p:notesMasterId r:id="rId16"/>
+    <p:notesMasterId r:id="rId18"/>
   </p:notesMasterIdLst>
   <p:handoutMasterIdLst>
-    <p:handoutMasterId r:id="rId17"/>
+    <p:handoutMasterId r:id="rId19"/>
   </p:handoutMasterIdLst>
   <p:sldIdLst>
     <p:sldId id="256" r:id="rId2"/>
@@ -21,10 +21,12 @@
     <p:sldId id="270" r:id="rId9"/>
     <p:sldId id="271" r:id="rId10"/>
     <p:sldId id="272" r:id="rId11"/>
-    <p:sldId id="273" r:id="rId12"/>
-    <p:sldId id="275" r:id="rId13"/>
-    <p:sldId id="274" r:id="rId14"/>
-    <p:sldId id="261" r:id="rId15"/>
+    <p:sldId id="276" r:id="rId12"/>
+    <p:sldId id="273" r:id="rId13"/>
+    <p:sldId id="275" r:id="rId14"/>
+    <p:sldId id="277" r:id="rId15"/>
+    <p:sldId id="274" r:id="rId16"/>
+    <p:sldId id="261" r:id="rId17"/>
   </p:sldIdLst>
   <p:sldSz cx="12192000" cy="6858000"/>
   <p:notesSz cx="6858000" cy="9144000"/>
@@ -4438,6 +4440,135 @@
           <a:p>
             <a:r>
               <a:rPr lang="en-US" dirty="0"/>
+              <a:t>Sequence Diagrams</a:t>
+            </a:r>
+          </a:p>
+        </p:txBody>
+      </p:sp>
+      <p:sp>
+        <p:nvSpPr>
+          <p:cNvPr id="6" name="TextBox 5">
+            <a:extLst>
+              <a:ext uri="{FF2B5EF4-FFF2-40B4-BE49-F238E27FC236}">
+                <a16:creationId xmlns:a16="http://schemas.microsoft.com/office/drawing/2014/main" id="{25E3F009-B98D-5670-F796-1326325004C0}"/>
+              </a:ext>
+            </a:extLst>
+          </p:cNvPr>
+          <p:cNvSpPr txBox="1"/>
+          <p:nvPr/>
+        </p:nvSpPr>
+        <p:spPr>
+          <a:xfrm>
+            <a:off x="8534400" y="1828800"/>
+            <a:ext cx="3581400" cy="646331"/>
+          </a:xfrm>
+          <a:prstGeom prst="rect">
+            <a:avLst/>
+          </a:prstGeom>
+          <a:noFill/>
+        </p:spPr>
+        <p:txBody>
+          <a:bodyPr wrap="square" rtlCol="0">
+            <a:spAutoFit/>
+          </a:bodyPr>
+          <a:lstStyle/>
+          <a:p>
+            <a:r>
+              <a:rPr lang="en-SG" dirty="0"/>
+              <a:t>Add Patient Record Sequence Diagram</a:t>
+            </a:r>
+          </a:p>
+        </p:txBody>
+      </p:sp>
+      <p:pic>
+        <p:nvPicPr>
+          <p:cNvPr id="3" name="Picture 2">
+            <a:extLst>
+              <a:ext uri="{FF2B5EF4-FFF2-40B4-BE49-F238E27FC236}">
+                <a16:creationId xmlns:a16="http://schemas.microsoft.com/office/drawing/2014/main" id="{13BA97EC-636A-121F-3E75-52B2154E67C2}"/>
+              </a:ext>
+            </a:extLst>
+          </p:cNvPr>
+          <p:cNvPicPr>
+            <a:picLocks noChangeAspect="1"/>
+          </p:cNvPicPr>
+          <p:nvPr/>
+        </p:nvPicPr>
+        <p:blipFill>
+          <a:blip r:embed="rId2"/>
+          <a:stretch>
+            <a:fillRect/>
+          </a:stretch>
+        </p:blipFill>
+        <p:spPr>
+          <a:xfrm>
+            <a:off x="457200" y="1676400"/>
+            <a:ext cx="7772400" cy="4635176"/>
+          </a:xfrm>
+          <a:prstGeom prst="rect">
+            <a:avLst/>
+          </a:prstGeom>
+        </p:spPr>
+      </p:pic>
+    </p:spTree>
+    <p:extLst>
+      <p:ext uri="{BB962C8B-B14F-4D97-AF65-F5344CB8AC3E}">
+        <p14:creationId xmlns:p14="http://schemas.microsoft.com/office/powerpoint/2010/main" val="3223917532"/>
+      </p:ext>
+    </p:extLst>
+  </p:cSld>
+  <p:clrMapOvr>
+    <a:masterClrMapping/>
+  </p:clrMapOvr>
+  <mc:AlternateContent xmlns:mc="http://schemas.openxmlformats.org/markup-compatibility/2006" xmlns:p14="http://schemas.microsoft.com/office/powerpoint/2010/main">
+    <mc:Choice Requires="p14">
+      <p:transition spd="med" p14:dur="700">
+        <p:fade/>
+      </p:transition>
+    </mc:Choice>
+    <mc:Fallback xmlns="">
+      <p:transition spd="med">
+        <p:fade/>
+      </p:transition>
+    </mc:Fallback>
+  </mc:AlternateContent>
+</p:sld>
+</file>
+
+<file path=ppt/slides/slide12.xml><?xml version="1.0" encoding="utf-8"?>
+<p:sld xmlns:a="http://schemas.openxmlformats.org/drawingml/2006/main" xmlns:r="http://schemas.openxmlformats.org/officeDocument/2006/relationships" xmlns:p="http://schemas.openxmlformats.org/presentationml/2006/main">
+  <p:cSld>
+    <p:spTree>
+      <p:nvGrpSpPr>
+        <p:cNvPr id="1" name=""/>
+        <p:cNvGrpSpPr/>
+        <p:nvPr/>
+      </p:nvGrpSpPr>
+      <p:grpSpPr>
+        <a:xfrm>
+          <a:off x="0" y="0"/>
+          <a:ext cx="0" cy="0"/>
+          <a:chOff x="0" y="0"/>
+          <a:chExt cx="0" cy="0"/>
+        </a:xfrm>
+      </p:grpSpPr>
+      <p:sp>
+        <p:nvSpPr>
+          <p:cNvPr id="2" name="Title 1"/>
+          <p:cNvSpPr>
+            <a:spLocks noGrp="1"/>
+          </p:cNvSpPr>
+          <p:nvPr>
+            <p:ph type="title"/>
+          </p:nvPr>
+        </p:nvSpPr>
+        <p:spPr/>
+        <p:txBody>
+          <a:bodyPr/>
+          <a:lstStyle/>
+          <a:p>
+            <a:r>
+              <a:rPr lang="en-US" dirty="0"/>
               <a:t>Validation</a:t>
             </a:r>
           </a:p>
@@ -4572,7 +4703,7 @@
 </p:sld>
 </file>
 
-<file path=ppt/slides/slide12.xml><?xml version="1.0" encoding="utf-8"?>
+<file path=ppt/slides/slide13.xml><?xml version="1.0" encoding="utf-8"?>
 <p:sld xmlns:a="http://schemas.openxmlformats.org/drawingml/2006/main" xmlns:r="http://schemas.openxmlformats.org/officeDocument/2006/relationships" xmlns:p="http://schemas.openxmlformats.org/presentationml/2006/main">
   <p:cSld>
     <p:spTree>
@@ -4726,7 +4857,189 @@
 </p:sld>
 </file>
 
-<file path=ppt/slides/slide13.xml><?xml version="1.0" encoding="utf-8"?>
+<file path=ppt/slides/slide14.xml><?xml version="1.0" encoding="utf-8"?>
+<p:sld xmlns:a="http://schemas.openxmlformats.org/drawingml/2006/main" xmlns:r="http://schemas.openxmlformats.org/officeDocument/2006/relationships" xmlns:p="http://schemas.openxmlformats.org/presentationml/2006/main">
+  <p:cSld>
+    <p:spTree>
+      <p:nvGrpSpPr>
+        <p:cNvPr id="1" name=""/>
+        <p:cNvGrpSpPr/>
+        <p:nvPr/>
+      </p:nvGrpSpPr>
+      <p:grpSpPr>
+        <a:xfrm>
+          <a:off x="0" y="0"/>
+          <a:ext cx="0" cy="0"/>
+          <a:chOff x="0" y="0"/>
+          <a:chExt cx="0" cy="0"/>
+        </a:xfrm>
+      </p:grpSpPr>
+      <p:sp>
+        <p:nvSpPr>
+          <p:cNvPr id="2" name="Title 1"/>
+          <p:cNvSpPr>
+            <a:spLocks noGrp="1"/>
+          </p:cNvSpPr>
+          <p:nvPr>
+            <p:ph type="title"/>
+          </p:nvPr>
+        </p:nvSpPr>
+        <p:spPr/>
+        <p:txBody>
+          <a:bodyPr/>
+          <a:lstStyle/>
+          <a:p>
+            <a:r>
+              <a:rPr lang="en-US" dirty="0"/>
+              <a:t>Validation For Inputs</a:t>
+            </a:r>
+          </a:p>
+        </p:txBody>
+      </p:sp>
+      <p:sp>
+        <p:nvSpPr>
+          <p:cNvPr id="6" name="TextBox 5">
+            <a:extLst>
+              <a:ext uri="{FF2B5EF4-FFF2-40B4-BE49-F238E27FC236}">
+                <a16:creationId xmlns:a16="http://schemas.microsoft.com/office/drawing/2014/main" id="{25E3F009-B98D-5670-F796-1326325004C0}"/>
+              </a:ext>
+            </a:extLst>
+          </p:cNvPr>
+          <p:cNvSpPr txBox="1"/>
+          <p:nvPr/>
+        </p:nvSpPr>
+        <p:spPr>
+          <a:xfrm>
+            <a:off x="8458200" y="2362200"/>
+            <a:ext cx="3581400" cy="3139321"/>
+          </a:xfrm>
+          <a:prstGeom prst="rect">
+            <a:avLst/>
+          </a:prstGeom>
+          <a:noFill/>
+        </p:spPr>
+        <p:txBody>
+          <a:bodyPr wrap="square" rtlCol="0">
+            <a:spAutoFit/>
+          </a:bodyPr>
+          <a:lstStyle/>
+          <a:p>
+            <a:r>
+              <a:rPr lang="en-US" b="1" u="sng" dirty="0"/>
+              <a:t>Validation for data input</a:t>
+            </a:r>
+            <a:br>
+              <a:rPr lang="en-US" dirty="0"/>
+            </a:br>
+            <a:endParaRPr lang="en-US" dirty="0"/>
+          </a:p>
+          <a:p>
+            <a:r>
+              <a:rPr lang="en-US" dirty="0"/>
+              <a:t>We check whether the user correctly input the data</a:t>
+            </a:r>
+          </a:p>
+          <a:p>
+            <a:endParaRPr lang="en-US" dirty="0"/>
+          </a:p>
+          <a:p>
+            <a:r>
+              <a:rPr lang="en-US" dirty="0"/>
+              <a:t>For example:</a:t>
+            </a:r>
+          </a:p>
+          <a:p>
+            <a:br>
+              <a:rPr lang="en-US" dirty="0"/>
+            </a:br>
+            <a:r>
+              <a:rPr lang="en-US" dirty="0"/>
+              <a:t>1. </a:t>
+            </a:r>
+            <a:r>
+              <a:rPr lang="en-US" dirty="0" err="1"/>
+              <a:t>ContactNumber</a:t>
+            </a:r>
+            <a:r>
+              <a:rPr lang="en-US" dirty="0"/>
+              <a:t>: Regex check</a:t>
+            </a:r>
+          </a:p>
+          <a:p>
+            <a:r>
+              <a:rPr lang="en-US" dirty="0"/>
+              <a:t>2. birthdate: Cannot be in the future, </a:t>
+            </a:r>
+            <a:r>
+              <a:rPr lang="en-US" dirty="0" err="1"/>
+              <a:t>LocalDate</a:t>
+            </a:r>
+            <a:r>
+              <a:rPr lang="en-US" dirty="0"/>
+              <a:t> conversion</a:t>
+            </a:r>
+          </a:p>
+          <a:p>
+            <a:endParaRPr lang="en-US" dirty="0"/>
+          </a:p>
+        </p:txBody>
+      </p:sp>
+      <p:pic>
+        <p:nvPicPr>
+          <p:cNvPr id="4" name="Picture 3">
+            <a:extLst>
+              <a:ext uri="{FF2B5EF4-FFF2-40B4-BE49-F238E27FC236}">
+                <a16:creationId xmlns:a16="http://schemas.microsoft.com/office/drawing/2014/main" id="{22E26C89-90DB-1A22-247F-74C8F740884E}"/>
+              </a:ext>
+            </a:extLst>
+          </p:cNvPr>
+          <p:cNvPicPr>
+            <a:picLocks noChangeAspect="1"/>
+          </p:cNvPicPr>
+          <p:nvPr/>
+        </p:nvPicPr>
+        <p:blipFill>
+          <a:blip r:embed="rId2"/>
+          <a:stretch>
+            <a:fillRect/>
+          </a:stretch>
+        </p:blipFill>
+        <p:spPr>
+          <a:xfrm>
+            <a:off x="685800" y="1828801"/>
+            <a:ext cx="6963752" cy="4993240"/>
+          </a:xfrm>
+          <a:prstGeom prst="rect">
+            <a:avLst/>
+          </a:prstGeom>
+        </p:spPr>
+      </p:pic>
+    </p:spTree>
+    <p:extLst>
+      <p:ext uri="{BB962C8B-B14F-4D97-AF65-F5344CB8AC3E}">
+        <p14:creationId xmlns:p14="http://schemas.microsoft.com/office/powerpoint/2010/main" val="3338022980"/>
+      </p:ext>
+    </p:extLst>
+  </p:cSld>
+  <p:clrMapOvr>
+    <a:masterClrMapping/>
+  </p:clrMapOvr>
+  <mc:AlternateContent xmlns:mc="http://schemas.openxmlformats.org/markup-compatibility/2006" xmlns:p14="http://schemas.microsoft.com/office/powerpoint/2010/main">
+    <mc:Choice Requires="p14">
+      <p:transition spd="med" p14:dur="700">
+        <p:fade/>
+      </p:transition>
+    </mc:Choice>
+    <mc:Fallback xmlns="">
+      <p:transition spd="med">
+        <p:fade/>
+      </p:transition>
+    </mc:Fallback>
+  </mc:AlternateContent>
+</p:sld>
+</file>
+
+<file path=ppt/slides/slide15.xml><?xml version="1.0" encoding="utf-8"?>
 <p:sld xmlns:a="http://schemas.openxmlformats.org/drawingml/2006/main" xmlns:r="http://schemas.openxmlformats.org/officeDocument/2006/relationships" xmlns:p="http://schemas.openxmlformats.org/presentationml/2006/main">
   <p:cSld>
     <p:spTree>
@@ -4963,7 +5276,7 @@
 </p:sld>
 </file>
 
-<file path=ppt/slides/slide14.xml><?xml version="1.0" encoding="utf-8"?>
+<file path=ppt/slides/slide16.xml><?xml version="1.0" encoding="utf-8"?>
 <p:sld xmlns:a="http://schemas.openxmlformats.org/drawingml/2006/main" xmlns:r="http://schemas.openxmlformats.org/officeDocument/2006/relationships" xmlns:p="http://schemas.openxmlformats.org/presentationml/2006/main">
   <p:cSld>
     <p:spTree>
